--- a/FinalProject/DnDPresentation.pptx
+++ b/FinalProject/DnDPresentation.pptx
@@ -6443,7 +6443,7 @@
         </p:spPr>
         <p:txBody>
           <a:bodyPr anchor="ctr">
-            <a:normAutofit lnSpcReduction="10000"/>
+            <a:normAutofit fontScale="92500" lnSpcReduction="20000"/>
           </a:bodyPr>
           <a:lstStyle/>
           <a:p>
@@ -6563,6 +6563,13 @@
             </a:endParaRPr>
           </a:p>
           <a:p>
+            <a:r>
+              <a:rPr lang="en-US" sz="2000" dirty="0">
+                <a:latin typeface="Calibri" panose="020F0502020204030204" pitchFamily="34" charset="0"/>
+                <a:cs typeface="Times New Roman" panose="02020603050405020304" pitchFamily="18" charset="0"/>
+              </a:rPr>
+              <a:t>Database it</a:t>
+            </a:r>
             <a:endParaRPr lang="en-US" sz="2400" dirty="0">
               <a:latin typeface="Baskerville Old Face" panose="02020602080505020303" pitchFamily="18" charset="0"/>
             </a:endParaRPr>

--- a/FinalProject/DnDPresentation.pptx
+++ b/FinalProject/DnDPresentation.pptx
@@ -7,9 +7,10 @@
   <p:sldIdLst>
     <p:sldId id="256" r:id="rId2"/>
     <p:sldId id="257" r:id="rId3"/>
-    <p:sldId id="258" r:id="rId4"/>
-    <p:sldId id="259" r:id="rId5"/>
-    <p:sldId id="262" r:id="rId6"/>
+    <p:sldId id="263" r:id="rId4"/>
+    <p:sldId id="258" r:id="rId5"/>
+    <p:sldId id="259" r:id="rId6"/>
+    <p:sldId id="262" r:id="rId7"/>
   </p:sldIdLst>
   <p:sldSz cx="12192000" cy="6858000"/>
   <p:notesSz cx="6858000" cy="9144000"/>
@@ -340,7 +341,7 @@
           <a:p>
             <a:fld id="{161F4495-BD79-E742-A9B0-C9A49B39EDAA}" type="datetimeFigureOut">
               <a:rPr lang="en-US" smtClean="0"/>
-              <a:t>5/1/2019</a:t>
+              <a:t>5/2/2019</a:t>
             </a:fld>
             <a:endParaRPr lang="en-US"/>
           </a:p>
@@ -674,7 +675,7 @@
           <a:p>
             <a:fld id="{161F4495-BD79-E742-A9B0-C9A49B39EDAA}" type="datetimeFigureOut">
               <a:rPr lang="en-US" smtClean="0"/>
-              <a:t>5/1/2019</a:t>
+              <a:t>5/2/2019</a:t>
             </a:fld>
             <a:endParaRPr lang="en-US"/>
           </a:p>
@@ -952,7 +953,7 @@
           <a:p>
             <a:fld id="{161F4495-BD79-E742-A9B0-C9A49B39EDAA}" type="datetimeFigureOut">
               <a:rPr lang="en-US" smtClean="0"/>
-              <a:t>5/1/2019</a:t>
+              <a:t>5/2/2019</a:t>
             </a:fld>
             <a:endParaRPr lang="en-US"/>
           </a:p>
@@ -1520,7 +1521,7 @@
           <a:p>
             <a:fld id="{161F4495-BD79-E742-A9B0-C9A49B39EDAA}" type="datetimeFigureOut">
               <a:rPr lang="en-US" smtClean="0"/>
-              <a:t>5/1/2019</a:t>
+              <a:t>5/2/2019</a:t>
             </a:fld>
             <a:endParaRPr lang="en-US"/>
           </a:p>
@@ -1798,7 +1799,7 @@
           <a:p>
             <a:fld id="{161F4495-BD79-E742-A9B0-C9A49B39EDAA}" type="datetimeFigureOut">
               <a:rPr lang="en-US" smtClean="0"/>
-              <a:t>5/1/2019</a:t>
+              <a:t>5/2/2019</a:t>
             </a:fld>
             <a:endParaRPr lang="en-US"/>
           </a:p>
@@ -2360,7 +2361,7 @@
           <a:p>
             <a:fld id="{161F4495-BD79-E742-A9B0-C9A49B39EDAA}" type="datetimeFigureOut">
               <a:rPr lang="en-US" smtClean="0"/>
-              <a:t>5/1/2019</a:t>
+              <a:t>5/2/2019</a:t>
             </a:fld>
             <a:endParaRPr lang="en-US"/>
           </a:p>
@@ -2687,7 +2688,7 @@
           <a:p>
             <a:fld id="{161F4495-BD79-E742-A9B0-C9A49B39EDAA}" type="datetimeFigureOut">
               <a:rPr lang="en-US" smtClean="0"/>
-              <a:t>5/1/2019</a:t>
+              <a:t>5/2/2019</a:t>
             </a:fld>
             <a:endParaRPr lang="en-US"/>
           </a:p>
@@ -2864,7 +2865,7 @@
           <a:p>
             <a:fld id="{161F4495-BD79-E742-A9B0-C9A49B39EDAA}" type="datetimeFigureOut">
               <a:rPr lang="en-US" smtClean="0"/>
-              <a:t>5/1/2019</a:t>
+              <a:t>5/2/2019</a:t>
             </a:fld>
             <a:endParaRPr lang="en-US"/>
           </a:p>
@@ -3102,7 +3103,7 @@
           <a:p>
             <a:fld id="{161F4495-BD79-E742-A9B0-C9A49B39EDAA}" type="datetimeFigureOut">
               <a:rPr lang="en-US" smtClean="0"/>
-              <a:t>5/1/2019</a:t>
+              <a:t>5/2/2019</a:t>
             </a:fld>
             <a:endParaRPr lang="en-US"/>
           </a:p>
@@ -3302,7 +3303,7 @@
           <a:p>
             <a:fld id="{161F4495-BD79-E742-A9B0-C9A49B39EDAA}" type="datetimeFigureOut">
               <a:rPr lang="en-US" smtClean="0"/>
-              <a:t>5/1/2019</a:t>
+              <a:t>5/2/2019</a:t>
             </a:fld>
             <a:endParaRPr lang="en-US"/>
           </a:p>
@@ -3578,7 +3579,7 @@
           <a:p>
             <a:fld id="{161F4495-BD79-E742-A9B0-C9A49B39EDAA}" type="datetimeFigureOut">
               <a:rPr lang="en-US" smtClean="0"/>
-              <a:t>5/1/2019</a:t>
+              <a:t>5/2/2019</a:t>
             </a:fld>
             <a:endParaRPr lang="en-US"/>
           </a:p>
@@ -3844,7 +3845,7 @@
           <a:p>
             <a:fld id="{161F4495-BD79-E742-A9B0-C9A49B39EDAA}" type="datetimeFigureOut">
               <a:rPr lang="en-US" smtClean="0"/>
-              <a:t>5/1/2019</a:t>
+              <a:t>5/2/2019</a:t>
             </a:fld>
             <a:endParaRPr lang="en-US"/>
           </a:p>
@@ -4218,7 +4219,7 @@
           <a:p>
             <a:fld id="{161F4495-BD79-E742-A9B0-C9A49B39EDAA}" type="datetimeFigureOut">
               <a:rPr lang="en-US" smtClean="0"/>
-              <a:t>5/1/2019</a:t>
+              <a:t>5/2/2019</a:t>
             </a:fld>
             <a:endParaRPr lang="en-US"/>
           </a:p>
@@ -4366,7 +4367,7 @@
           <a:p>
             <a:fld id="{161F4495-BD79-E742-A9B0-C9A49B39EDAA}" type="datetimeFigureOut">
               <a:rPr lang="en-US" smtClean="0"/>
-              <a:t>5/1/2019</a:t>
+              <a:t>5/2/2019</a:t>
             </a:fld>
             <a:endParaRPr lang="en-US"/>
           </a:p>
@@ -4491,7 +4492,7 @@
           <a:p>
             <a:fld id="{161F4495-BD79-E742-A9B0-C9A49B39EDAA}" type="datetimeFigureOut">
               <a:rPr lang="en-US" smtClean="0"/>
-              <a:t>5/1/2019</a:t>
+              <a:t>5/2/2019</a:t>
             </a:fld>
             <a:endParaRPr lang="en-US"/>
           </a:p>
@@ -4776,7 +4777,7 @@
           <a:p>
             <a:fld id="{161F4495-BD79-E742-A9B0-C9A49B39EDAA}" type="datetimeFigureOut">
               <a:rPr lang="en-US" smtClean="0"/>
-              <a:t>5/1/2019</a:t>
+              <a:t>5/2/2019</a:t>
             </a:fld>
             <a:endParaRPr lang="en-US"/>
           </a:p>
@@ -5100,7 +5101,7 @@
           <a:p>
             <a:fld id="{161F4495-BD79-E742-A9B0-C9A49B39EDAA}" type="datetimeFigureOut">
               <a:rPr lang="en-US" smtClean="0"/>
-              <a:t>5/1/2019</a:t>
+              <a:t>5/2/2019</a:t>
             </a:fld>
             <a:endParaRPr lang="en-US"/>
           </a:p>
@@ -5314,7 +5315,7 @@
           <a:p>
             <a:fld id="{161F4495-BD79-E742-A9B0-C9A49B39EDAA}" type="datetimeFigureOut">
               <a:rPr lang="en-US" smtClean="0"/>
-              <a:t>5/1/2019</a:t>
+              <a:t>5/2/2019</a:t>
             </a:fld>
             <a:endParaRPr lang="en-US"/>
           </a:p>
@@ -6086,7 +6087,7 @@
     <p:bg>
       <p:bgPr>
         <a:blipFill dpi="0" rotWithShape="1">
-          <a:blip r:embed="rId2">
+          <a:blip r:embed="rId3">
             <a:lum/>
           </a:blip>
           <a:srcRect/>
@@ -6116,7 +6117,7 @@
           <p:cNvPr id="2" name="Title 1">
             <a:extLst>
               <a:ext uri="{FF2B5EF4-FFF2-40B4-BE49-F238E27FC236}">
-                <a16:creationId xmlns:a16="http://schemas.microsoft.com/office/drawing/2014/main" id="{8340D941-9D8E-EA4F-96AD-264F355D04EB}"/>
+                <a16:creationId xmlns:a16="http://schemas.microsoft.com/office/drawing/2014/main" id="{4DEC3598-0966-4B22-85BA-EEF0A928DB65}"/>
               </a:ext>
             </a:extLst>
           </p:cNvPr>
@@ -6127,12 +6128,35 @@
             <p:ph type="title"/>
           </p:nvPr>
         </p:nvSpPr>
-        <p:spPr>
-          <a:xfrm>
-            <a:off x="535020" y="685800"/>
-            <a:ext cx="2780271" cy="2391770"/>
-          </a:xfrm>
-        </p:spPr>
+        <p:spPr/>
+        <p:txBody>
+          <a:bodyPr/>
+          <a:lstStyle/>
+          <a:p>
+            <a:r>
+              <a:rPr lang="en-US" dirty="0"/>
+              <a:t>Technology Used</a:t>
+            </a:r>
+          </a:p>
+        </p:txBody>
+      </p:sp>
+      <p:sp>
+        <p:nvSpPr>
+          <p:cNvPr id="3" name="Content Placeholder 2">
+            <a:extLst>
+              <a:ext uri="{FF2B5EF4-FFF2-40B4-BE49-F238E27FC236}">
+                <a16:creationId xmlns:a16="http://schemas.microsoft.com/office/drawing/2014/main" id="{A70BF06E-BD8F-4E3B-A697-9EC1EE0AA9B7}"/>
+              </a:ext>
+            </a:extLst>
+          </p:cNvPr>
+          <p:cNvSpPr>
+            <a:spLocks noGrp="1"/>
+          </p:cNvSpPr>
+          <p:nvPr>
+            <p:ph idx="1"/>
+          </p:nvPr>
+        </p:nvSpPr>
+        <p:spPr/>
         <p:txBody>
           <a:bodyPr>
             <a:normAutofit/>
@@ -6140,65 +6164,30 @@
           <a:lstStyle/>
           <a:p>
             <a:r>
-              <a:rPr lang="en-US" sz="4000" dirty="0">
-                <a:solidFill>
-                  <a:srgbClr val="FFFFFF"/>
-                </a:solidFill>
-                <a:latin typeface="Baskerville Old Face" panose="02020602080505020303" pitchFamily="18" charset="0"/>
-              </a:rPr>
-              <a:t>Division of labor</a:t>
-            </a:r>
-          </a:p>
-        </p:txBody>
-      </p:sp>
-      <p:sp>
-        <p:nvSpPr>
-          <p:cNvPr id="3" name="Content Placeholder 2"/>
-          <p:cNvSpPr>
-            <a:spLocks noGrp="1"/>
-          </p:cNvSpPr>
-          <p:nvPr>
-            <p:ph idx="1"/>
-          </p:nvPr>
-        </p:nvSpPr>
-        <p:spPr/>
-        <p:txBody>
-          <a:bodyPr/>
-          <a:lstStyle/>
-          <a:p>
-            <a:pPr lvl="0"/>
-            <a:r>
-              <a:rPr lang="en-US" dirty="0">
-                <a:latin typeface="Baskerville Old Face" panose="02020602080505020303" pitchFamily="18" charset="0"/>
-              </a:rPr>
-              <a:t>Chris did the Class portion, the overall Character class, and leveling up</a:t>
-            </a:r>
-          </a:p>
-          <a:p>
-            <a:pPr lvl="0"/>
-            <a:r>
-              <a:rPr lang="en-US" dirty="0">
-                <a:latin typeface="Baskerville Old Face" panose="02020602080505020303" pitchFamily="18" charset="0"/>
-              </a:rPr>
-              <a:t>Dylan did the Race portion and languages</a:t>
-            </a:r>
-          </a:p>
-          <a:p>
-            <a:pPr lvl="0"/>
-            <a:r>
-              <a:rPr lang="en-US" dirty="0">
-                <a:latin typeface="Baskerville Old Face" panose="02020602080505020303" pitchFamily="18" charset="0"/>
-              </a:rPr>
-              <a:t>Catherine did the Equipment portion, design, and validation</a:t>
-            </a:r>
-          </a:p>
-          <a:p>
-            <a:pPr lvl="0"/>
-            <a:r>
-              <a:rPr lang="en-US" dirty="0">
-                <a:latin typeface="Baskerville Old Face" panose="02020602080505020303" pitchFamily="18" charset="0"/>
-              </a:rPr>
-              <a:t>Jack did the Background portion, Skills, PDF filling, and loading from PDF</a:t>
+              <a:rPr lang="en-US" sz="2400" dirty="0"/>
+              <a:t>C#</a:t>
+            </a:r>
+          </a:p>
+          <a:p>
+            <a:endParaRPr lang="en-US" sz="2400" dirty="0"/>
+          </a:p>
+          <a:p>
+            <a:r>
+              <a:rPr lang="en-US" sz="2400" dirty="0"/>
+              <a:t>Visual Studio 2017</a:t>
+            </a:r>
+          </a:p>
+          <a:p>
+            <a:endParaRPr lang="en-US" sz="2400" dirty="0"/>
+          </a:p>
+          <a:p>
+            <a:r>
+              <a:rPr lang="en-US" sz="2400" dirty="0" err="1"/>
+              <a:t>Github</a:t>
+            </a:r>
+            <a:r>
+              <a:rPr lang="en-US" sz="2400" dirty="0"/>
+              <a:t> Desktop</a:t>
             </a:r>
           </a:p>
         </p:txBody>
@@ -6206,12 +6195,12 @@
     </p:spTree>
     <p:extLst>
       <p:ext uri="{BB962C8B-B14F-4D97-AF65-F5344CB8AC3E}">
-        <p14:creationId xmlns:p14="http://schemas.microsoft.com/office/powerpoint/2010/main" val="3873142149"/>
+        <p14:creationId xmlns:p14="http://schemas.microsoft.com/office/powerpoint/2010/main" val="3552715953"/>
       </p:ext>
     </p:extLst>
   </p:cSld>
   <p:clrMapOvr>
-    <a:masterClrMapping/>
+    <a:overrideClrMapping bg1="dk1" tx1="lt1" bg2="dk2" tx2="lt2" accent1="accent1" accent2="accent2" accent3="accent3" accent4="accent4" accent5="accent5" accent6="accent6" hlink="hlink" folHlink="folHlink"/>
   </p:clrMapOvr>
 </p:sld>
 </file>
@@ -6252,6 +6241,142 @@
           <p:cNvPr id="2" name="Title 1">
             <a:extLst>
               <a:ext uri="{FF2B5EF4-FFF2-40B4-BE49-F238E27FC236}">
+                <a16:creationId xmlns:a16="http://schemas.microsoft.com/office/drawing/2014/main" id="{8340D941-9D8E-EA4F-96AD-264F355D04EB}"/>
+              </a:ext>
+            </a:extLst>
+          </p:cNvPr>
+          <p:cNvSpPr>
+            <a:spLocks noGrp="1"/>
+          </p:cNvSpPr>
+          <p:nvPr>
+            <p:ph type="title"/>
+          </p:nvPr>
+        </p:nvSpPr>
+        <p:spPr>
+          <a:xfrm>
+            <a:off x="535020" y="685800"/>
+            <a:ext cx="2780271" cy="2391770"/>
+          </a:xfrm>
+        </p:spPr>
+        <p:txBody>
+          <a:bodyPr>
+            <a:normAutofit/>
+          </a:bodyPr>
+          <a:lstStyle/>
+          <a:p>
+            <a:r>
+              <a:rPr lang="en-US" sz="4000" dirty="0">
+                <a:solidFill>
+                  <a:srgbClr val="FFFFFF"/>
+                </a:solidFill>
+                <a:latin typeface="Baskerville Old Face" panose="02020602080505020303" pitchFamily="18" charset="0"/>
+              </a:rPr>
+              <a:t>Division of labor</a:t>
+            </a:r>
+          </a:p>
+        </p:txBody>
+      </p:sp>
+      <p:sp>
+        <p:nvSpPr>
+          <p:cNvPr id="3" name="Content Placeholder 2"/>
+          <p:cNvSpPr>
+            <a:spLocks noGrp="1"/>
+          </p:cNvSpPr>
+          <p:nvPr>
+            <p:ph idx="1"/>
+          </p:nvPr>
+        </p:nvSpPr>
+        <p:spPr/>
+        <p:txBody>
+          <a:bodyPr/>
+          <a:lstStyle/>
+          <a:p>
+            <a:pPr lvl="0"/>
+            <a:r>
+              <a:rPr lang="en-US" dirty="0">
+                <a:latin typeface="Baskerville Old Face" panose="02020602080505020303" pitchFamily="18" charset="0"/>
+              </a:rPr>
+              <a:t>Chris did the Class portion, the overall Character class, and leveling up</a:t>
+            </a:r>
+          </a:p>
+          <a:p>
+            <a:pPr lvl="0"/>
+            <a:r>
+              <a:rPr lang="en-US" dirty="0">
+                <a:latin typeface="Baskerville Old Face" panose="02020602080505020303" pitchFamily="18" charset="0"/>
+              </a:rPr>
+              <a:t>Dylan did the Race portion and languages</a:t>
+            </a:r>
+          </a:p>
+          <a:p>
+            <a:pPr lvl="0"/>
+            <a:r>
+              <a:rPr lang="en-US" dirty="0">
+                <a:latin typeface="Baskerville Old Face" panose="02020602080505020303" pitchFamily="18" charset="0"/>
+              </a:rPr>
+              <a:t>Catherine did the Equipment portion, design, and validation</a:t>
+            </a:r>
+          </a:p>
+          <a:p>
+            <a:pPr lvl="0"/>
+            <a:r>
+              <a:rPr lang="en-US" dirty="0">
+                <a:latin typeface="Baskerville Old Face" panose="02020602080505020303" pitchFamily="18" charset="0"/>
+              </a:rPr>
+              <a:t>Jack did the Background portion, Skills, PDF filling, and loading from PDF</a:t>
+            </a:r>
+          </a:p>
+        </p:txBody>
+      </p:sp>
+    </p:spTree>
+    <p:extLst>
+      <p:ext uri="{BB962C8B-B14F-4D97-AF65-F5344CB8AC3E}">
+        <p14:creationId xmlns:p14="http://schemas.microsoft.com/office/powerpoint/2010/main" val="3873142149"/>
+      </p:ext>
+    </p:extLst>
+  </p:cSld>
+  <p:clrMapOvr>
+    <a:masterClrMapping/>
+  </p:clrMapOvr>
+</p:sld>
+</file>
+
+<file path=ppt/slides/slide5.xml><?xml version="1.0" encoding="utf-8"?>
+<p:sld xmlns:a="http://schemas.openxmlformats.org/drawingml/2006/main" xmlns:r="http://schemas.openxmlformats.org/officeDocument/2006/relationships" xmlns:p="http://schemas.openxmlformats.org/presentationml/2006/main">
+  <p:cSld>
+    <p:bg>
+      <p:bgPr>
+        <a:blipFill dpi="0" rotWithShape="1">
+          <a:blip r:embed="rId2">
+            <a:lum/>
+          </a:blip>
+          <a:srcRect/>
+          <a:stretch>
+            <a:fillRect t="-8000" b="-8000"/>
+          </a:stretch>
+        </a:blipFill>
+        <a:effectLst/>
+      </p:bgPr>
+    </p:bg>
+    <p:spTree>
+      <p:nvGrpSpPr>
+        <p:cNvPr id="1" name=""/>
+        <p:cNvGrpSpPr/>
+        <p:nvPr/>
+      </p:nvGrpSpPr>
+      <p:grpSpPr>
+        <a:xfrm>
+          <a:off x="0" y="0"/>
+          <a:ext cx="0" cy="0"/>
+          <a:chOff x="0" y="0"/>
+          <a:chExt cx="0" cy="0"/>
+        </a:xfrm>
+      </p:grpSpPr>
+      <p:sp>
+        <p:nvSpPr>
+          <p:cNvPr id="2" name="Title 1">
+            <a:extLst>
+              <a:ext uri="{FF2B5EF4-FFF2-40B4-BE49-F238E27FC236}">
                 <a16:creationId xmlns:a16="http://schemas.microsoft.com/office/drawing/2014/main" id="{FFB29FB6-42D8-2940-9191-3307ECAA4D5B}"/>
               </a:ext>
             </a:extLst>
@@ -6351,7 +6476,7 @@
 </p:sld>
 </file>
 
-<file path=ppt/slides/slide5.xml><?xml version="1.0" encoding="utf-8"?>
+<file path=ppt/slides/slide6.xml><?xml version="1.0" encoding="utf-8"?>
 <p:sld xmlns:a="http://schemas.openxmlformats.org/drawingml/2006/main" xmlns:r="http://schemas.openxmlformats.org/officeDocument/2006/relationships" xmlns:p="http://schemas.openxmlformats.org/presentationml/2006/main" showMasterSp="0">
   <p:cSld>
     <p:bg>
@@ -6839,4 +6964,47 @@
     </a:ext>
   </a:extLst>
 </a:theme>
+</file>
+
+<file path=ppt/theme/themeOverride1.xml><?xml version="1.0" encoding="utf-8"?>
+<a:themeOverride xmlns:a="http://schemas.openxmlformats.org/drawingml/2006/main">
+  <a:clrScheme name="Celestial">
+    <a:dk1>
+      <a:sysClr val="windowText" lastClr="000000"/>
+    </a:dk1>
+    <a:lt1>
+      <a:sysClr val="window" lastClr="FFFFFF"/>
+    </a:lt1>
+    <a:dk2>
+      <a:srgbClr val="18276C"/>
+    </a:dk2>
+    <a:lt2>
+      <a:srgbClr val="EBEBEB"/>
+    </a:lt2>
+    <a:accent1>
+      <a:srgbClr val="AC3EC1"/>
+    </a:accent1>
+    <a:accent2>
+      <a:srgbClr val="477BD1"/>
+    </a:accent2>
+    <a:accent3>
+      <a:srgbClr val="46B298"/>
+    </a:accent3>
+    <a:accent4>
+      <a:srgbClr val="90BA4C"/>
+    </a:accent4>
+    <a:accent5>
+      <a:srgbClr val="DD9D31"/>
+    </a:accent5>
+    <a:accent6>
+      <a:srgbClr val="E25247"/>
+    </a:accent6>
+    <a:hlink>
+      <a:srgbClr val="C573D2"/>
+    </a:hlink>
+    <a:folHlink>
+      <a:srgbClr val="CCAEE8"/>
+    </a:folHlink>
+  </a:clrScheme>
+</a:themeOverride>
 </file>
--- a/FinalProject/DnDPresentation.pptx
+++ b/FinalProject/DnDPresentation.pptx
@@ -8,8 +8,10 @@
     <p:sldId id="256" r:id="rId2"/>
     <p:sldId id="257" r:id="rId3"/>
     <p:sldId id="258" r:id="rId4"/>
-    <p:sldId id="259" r:id="rId5"/>
-    <p:sldId id="262" r:id="rId6"/>
+    <p:sldId id="263" r:id="rId5"/>
+    <p:sldId id="259" r:id="rId6"/>
+    <p:sldId id="264" r:id="rId7"/>
+    <p:sldId id="262" r:id="rId8"/>
   </p:sldIdLst>
   <p:sldSz cx="12192000" cy="6858000"/>
   <p:notesSz cx="6858000" cy="9144000"/>
@@ -340,7 +342,7 @@
           <a:p>
             <a:fld id="{161F4495-BD79-E742-A9B0-C9A49B39EDAA}" type="datetimeFigureOut">
               <a:rPr lang="en-US" smtClean="0"/>
-              <a:t>5/1/2019</a:t>
+              <a:t>5/2/19</a:t>
             </a:fld>
             <a:endParaRPr lang="en-US"/>
           </a:p>
@@ -674,7 +676,7 @@
           <a:p>
             <a:fld id="{161F4495-BD79-E742-A9B0-C9A49B39EDAA}" type="datetimeFigureOut">
               <a:rPr lang="en-US" smtClean="0"/>
-              <a:t>5/1/2019</a:t>
+              <a:t>5/2/19</a:t>
             </a:fld>
             <a:endParaRPr lang="en-US"/>
           </a:p>
@@ -952,7 +954,7 @@
           <a:p>
             <a:fld id="{161F4495-BD79-E742-A9B0-C9A49B39EDAA}" type="datetimeFigureOut">
               <a:rPr lang="en-US" smtClean="0"/>
-              <a:t>5/1/2019</a:t>
+              <a:t>5/2/19</a:t>
             </a:fld>
             <a:endParaRPr lang="en-US"/>
           </a:p>
@@ -1520,7 +1522,7 @@
           <a:p>
             <a:fld id="{161F4495-BD79-E742-A9B0-C9A49B39EDAA}" type="datetimeFigureOut">
               <a:rPr lang="en-US" smtClean="0"/>
-              <a:t>5/1/2019</a:t>
+              <a:t>5/2/19</a:t>
             </a:fld>
             <a:endParaRPr lang="en-US"/>
           </a:p>
@@ -1798,7 +1800,7 @@
           <a:p>
             <a:fld id="{161F4495-BD79-E742-A9B0-C9A49B39EDAA}" type="datetimeFigureOut">
               <a:rPr lang="en-US" smtClean="0"/>
-              <a:t>5/1/2019</a:t>
+              <a:t>5/2/19</a:t>
             </a:fld>
             <a:endParaRPr lang="en-US"/>
           </a:p>
@@ -2360,7 +2362,7 @@
           <a:p>
             <a:fld id="{161F4495-BD79-E742-A9B0-C9A49B39EDAA}" type="datetimeFigureOut">
               <a:rPr lang="en-US" smtClean="0"/>
-              <a:t>5/1/2019</a:t>
+              <a:t>5/2/19</a:t>
             </a:fld>
             <a:endParaRPr lang="en-US"/>
           </a:p>
@@ -2687,7 +2689,7 @@
           <a:p>
             <a:fld id="{161F4495-BD79-E742-A9B0-C9A49B39EDAA}" type="datetimeFigureOut">
               <a:rPr lang="en-US" smtClean="0"/>
-              <a:t>5/1/2019</a:t>
+              <a:t>5/2/19</a:t>
             </a:fld>
             <a:endParaRPr lang="en-US"/>
           </a:p>
@@ -2864,7 +2866,7 @@
           <a:p>
             <a:fld id="{161F4495-BD79-E742-A9B0-C9A49B39EDAA}" type="datetimeFigureOut">
               <a:rPr lang="en-US" smtClean="0"/>
-              <a:t>5/1/2019</a:t>
+              <a:t>5/2/19</a:t>
             </a:fld>
             <a:endParaRPr lang="en-US"/>
           </a:p>
@@ -3102,7 +3104,7 @@
           <a:p>
             <a:fld id="{161F4495-BD79-E742-A9B0-C9A49B39EDAA}" type="datetimeFigureOut">
               <a:rPr lang="en-US" smtClean="0"/>
-              <a:t>5/1/2019</a:t>
+              <a:t>5/2/19</a:t>
             </a:fld>
             <a:endParaRPr lang="en-US"/>
           </a:p>
@@ -3302,7 +3304,7 @@
           <a:p>
             <a:fld id="{161F4495-BD79-E742-A9B0-C9A49B39EDAA}" type="datetimeFigureOut">
               <a:rPr lang="en-US" smtClean="0"/>
-              <a:t>5/1/2019</a:t>
+              <a:t>5/2/19</a:t>
             </a:fld>
             <a:endParaRPr lang="en-US"/>
           </a:p>
@@ -3578,7 +3580,7 @@
           <a:p>
             <a:fld id="{161F4495-BD79-E742-A9B0-C9A49B39EDAA}" type="datetimeFigureOut">
               <a:rPr lang="en-US" smtClean="0"/>
-              <a:t>5/1/2019</a:t>
+              <a:t>5/2/19</a:t>
             </a:fld>
             <a:endParaRPr lang="en-US"/>
           </a:p>
@@ -3844,7 +3846,7 @@
           <a:p>
             <a:fld id="{161F4495-BD79-E742-A9B0-C9A49B39EDAA}" type="datetimeFigureOut">
               <a:rPr lang="en-US" smtClean="0"/>
-              <a:t>5/1/2019</a:t>
+              <a:t>5/2/19</a:t>
             </a:fld>
             <a:endParaRPr lang="en-US"/>
           </a:p>
@@ -4218,7 +4220,7 @@
           <a:p>
             <a:fld id="{161F4495-BD79-E742-A9B0-C9A49B39EDAA}" type="datetimeFigureOut">
               <a:rPr lang="en-US" smtClean="0"/>
-              <a:t>5/1/2019</a:t>
+              <a:t>5/2/19</a:t>
             </a:fld>
             <a:endParaRPr lang="en-US"/>
           </a:p>
@@ -4366,7 +4368,7 @@
           <a:p>
             <a:fld id="{161F4495-BD79-E742-A9B0-C9A49B39EDAA}" type="datetimeFigureOut">
               <a:rPr lang="en-US" smtClean="0"/>
-              <a:t>5/1/2019</a:t>
+              <a:t>5/2/19</a:t>
             </a:fld>
             <a:endParaRPr lang="en-US"/>
           </a:p>
@@ -4491,7 +4493,7 @@
           <a:p>
             <a:fld id="{161F4495-BD79-E742-A9B0-C9A49B39EDAA}" type="datetimeFigureOut">
               <a:rPr lang="en-US" smtClean="0"/>
-              <a:t>5/1/2019</a:t>
+              <a:t>5/2/19</a:t>
             </a:fld>
             <a:endParaRPr lang="en-US"/>
           </a:p>
@@ -4776,7 +4778,7 @@
           <a:p>
             <a:fld id="{161F4495-BD79-E742-A9B0-C9A49B39EDAA}" type="datetimeFigureOut">
               <a:rPr lang="en-US" smtClean="0"/>
-              <a:t>5/1/2019</a:t>
+              <a:t>5/2/19</a:t>
             </a:fld>
             <a:endParaRPr lang="en-US"/>
           </a:p>
@@ -5100,7 +5102,7 @@
           <a:p>
             <a:fld id="{161F4495-BD79-E742-A9B0-C9A49B39EDAA}" type="datetimeFigureOut">
               <a:rPr lang="en-US" smtClean="0"/>
-              <a:t>5/1/2019</a:t>
+              <a:t>5/2/19</a:t>
             </a:fld>
             <a:endParaRPr lang="en-US"/>
           </a:p>
@@ -5314,7 +5316,7 @@
           <a:p>
             <a:fld id="{161F4495-BD79-E742-A9B0-C9A49B39EDAA}" type="datetimeFigureOut">
               <a:rPr lang="en-US" smtClean="0"/>
-              <a:t>5/1/2019</a:t>
+              <a:t>5/2/19</a:t>
             </a:fld>
             <a:endParaRPr lang="en-US"/>
           </a:p>
@@ -6081,7 +6083,7 @@
 </file>
 
 <file path=ppt/slides/slide3.xml><?xml version="1.0" encoding="utf-8"?>
-<p:sld xmlns:a="http://schemas.openxmlformats.org/drawingml/2006/main" xmlns:r="http://schemas.openxmlformats.org/officeDocument/2006/relationships" xmlns:p="http://schemas.openxmlformats.org/presentationml/2006/main">
+<p:sld xmlns:a="http://schemas.openxmlformats.org/drawingml/2006/main" xmlns:r="http://schemas.openxmlformats.org/officeDocument/2006/relationships" xmlns:p="http://schemas.openxmlformats.org/presentationml/2006/main" showMasterSp="0">
   <p:cSld>
     <p:bg>
       <p:bgPr>
@@ -6161,7 +6163,12 @@
             <p:ph idx="1"/>
           </p:nvPr>
         </p:nvSpPr>
-        <p:spPr/>
+        <p:spPr>
+          <a:xfrm>
+            <a:off x="661088" y="1955864"/>
+            <a:ext cx="10131425" cy="3649133"/>
+          </a:xfrm>
+        </p:spPr>
         <p:txBody>
           <a:bodyPr/>
           <a:lstStyle/>
@@ -6217,7 +6224,7 @@
 </file>
 
 <file path=ppt/slides/slide4.xml><?xml version="1.0" encoding="utf-8"?>
-<p:sld xmlns:a="http://schemas.openxmlformats.org/drawingml/2006/main" xmlns:r="http://schemas.openxmlformats.org/officeDocument/2006/relationships" xmlns:p="http://schemas.openxmlformats.org/presentationml/2006/main">
+<p:sld xmlns:a="http://schemas.openxmlformats.org/drawingml/2006/main" xmlns:r="http://schemas.openxmlformats.org/officeDocument/2006/relationships" xmlns:p="http://schemas.openxmlformats.org/presentationml/2006/main" showMasterSp="0">
   <p:cSld>
     <p:bg>
       <p:bgPr>
@@ -6252,7 +6259,7 @@
           <p:cNvPr id="2" name="Title 1">
             <a:extLst>
               <a:ext uri="{FF2B5EF4-FFF2-40B4-BE49-F238E27FC236}">
-                <a16:creationId xmlns:a16="http://schemas.microsoft.com/office/drawing/2014/main" id="{FFB29FB6-42D8-2940-9191-3307ECAA4D5B}"/>
+                <a16:creationId xmlns:a16="http://schemas.microsoft.com/office/drawing/2014/main" id="{8340D941-9D8E-EA4F-96AD-264F355D04EB}"/>
               </a:ext>
             </a:extLst>
           </p:cNvPr>
@@ -6265,8 +6272,8 @@
         </p:nvSpPr>
         <p:spPr>
           <a:xfrm>
-            <a:off x="838200" y="963877"/>
-            <a:ext cx="3494362" cy="4930246"/>
+            <a:off x="535020" y="685800"/>
+            <a:ext cx="6923055" cy="2391770"/>
           </a:xfrm>
         </p:spPr>
         <p:txBody>
@@ -6275,25 +6282,21 @@
           </a:bodyPr>
           <a:lstStyle/>
           <a:p>
-            <a:pPr algn="r"/>
-            <a:r>
-              <a:rPr lang="en-US" dirty="0">
+            <a:r>
+              <a:rPr lang="en-US" sz="4000" dirty="0">
+                <a:solidFill>
+                  <a:srgbClr val="FFFFFF"/>
+                </a:solidFill>
                 <a:latin typeface="Baskerville Old Face" panose="02020602080505020303" pitchFamily="18" charset="0"/>
               </a:rPr>
-              <a:t>Plot (challenges, time frame, etc.)</a:t>
-            </a:r>
-          </a:p>
-        </p:txBody>
-      </p:sp>
-      <p:sp>
-        <p:nvSpPr>
-          <p:cNvPr id="24" name="Content Placeholder 2">
-            <a:extLst>
-              <a:ext uri="{FF2B5EF4-FFF2-40B4-BE49-F238E27FC236}">
-                <a16:creationId xmlns:a16="http://schemas.microsoft.com/office/drawing/2014/main" id="{1B4EC15B-7E89-7344-BE22-9EF1ED0E545D}"/>
-              </a:ext>
-            </a:extLst>
-          </p:cNvPr>
+              <a:t>Technology</a:t>
+            </a:r>
+          </a:p>
+        </p:txBody>
+      </p:sp>
+      <p:sp>
+        <p:nvSpPr>
+          <p:cNvPr id="3" name="Content Placeholder 2"/>
           <p:cNvSpPr>
             <a:spLocks noGrp="1"/>
           </p:cNvSpPr>
@@ -6303,37 +6306,40 @@
         </p:nvSpPr>
         <p:spPr>
           <a:xfrm>
-            <a:off x="4976031" y="963877"/>
-            <a:ext cx="6377769" cy="4930246"/>
-          </a:xfrm>
-        </p:spPr>
-        <p:txBody>
-          <a:bodyPr anchor="ctr">
+            <a:off x="671513" y="2409328"/>
+            <a:ext cx="10131425" cy="2742205"/>
+          </a:xfrm>
+        </p:spPr>
+        <p:txBody>
+          <a:bodyPr>
             <a:normAutofit/>
           </a:bodyPr>
           <a:lstStyle/>
           <a:p>
-            <a:r>
-              <a:rPr lang="en-US" sz="2400" dirty="0">
+            <a:pPr lvl="0"/>
+            <a:r>
+              <a:rPr lang="en-US" sz="2800" dirty="0">
                 <a:latin typeface="Baskerville Old Face" panose="02020602080505020303" pitchFamily="18" charset="0"/>
               </a:rPr>
-              <a:t>Filling a PDF form(Thank you, Jack)</a:t>
-            </a:r>
-          </a:p>
-          <a:p>
-            <a:r>
-              <a:rPr lang="en-US" sz="2400" dirty="0">
+              <a:t>C#, using Windows Forms</a:t>
+            </a:r>
+          </a:p>
+          <a:p>
+            <a:pPr lvl="0"/>
+            <a:r>
+              <a:rPr lang="en-US" sz="2800" dirty="0">
                 <a:latin typeface="Baskerville Old Face" panose="02020602080505020303" pitchFamily="18" charset="0"/>
               </a:rPr>
-              <a:t>Ensuring a large codebase interacted cleanly</a:t>
-            </a:r>
-          </a:p>
-          <a:p>
-            <a:r>
-              <a:rPr lang="en-US" sz="2400" dirty="0">
+              <a:t>Visual Studio</a:t>
+            </a:r>
+          </a:p>
+          <a:p>
+            <a:pPr lvl="0"/>
+            <a:r>
+              <a:rPr lang="en-US" sz="2800" dirty="0">
                 <a:latin typeface="Baskerville Old Face" panose="02020602080505020303" pitchFamily="18" charset="0"/>
               </a:rPr>
-              <a:t>Reached a good place for minimum product, expanded well to the end.</a:t>
+              <a:t>GitHub</a:t>
             </a:r>
           </a:p>
         </p:txBody>
@@ -6341,7 +6347,7 @@
     </p:spTree>
     <p:extLst>
       <p:ext uri="{BB962C8B-B14F-4D97-AF65-F5344CB8AC3E}">
-        <p14:creationId xmlns:p14="http://schemas.microsoft.com/office/powerpoint/2010/main" val="3028005902"/>
+        <p14:creationId xmlns:p14="http://schemas.microsoft.com/office/powerpoint/2010/main" val="909360180"/>
       </p:ext>
     </p:extLst>
   </p:cSld>
@@ -6387,6 +6393,281 @@
           <p:cNvPr id="2" name="Title 1">
             <a:extLst>
               <a:ext uri="{FF2B5EF4-FFF2-40B4-BE49-F238E27FC236}">
+                <a16:creationId xmlns:a16="http://schemas.microsoft.com/office/drawing/2014/main" id="{FFB29FB6-42D8-2940-9191-3307ECAA4D5B}"/>
+              </a:ext>
+            </a:extLst>
+          </p:cNvPr>
+          <p:cNvSpPr>
+            <a:spLocks noGrp="1"/>
+          </p:cNvSpPr>
+          <p:nvPr>
+            <p:ph type="title"/>
+          </p:nvPr>
+        </p:nvSpPr>
+        <p:spPr>
+          <a:xfrm>
+            <a:off x="838200" y="963877"/>
+            <a:ext cx="3494362" cy="4930246"/>
+          </a:xfrm>
+        </p:spPr>
+        <p:txBody>
+          <a:bodyPr>
+            <a:normAutofit/>
+          </a:bodyPr>
+          <a:lstStyle/>
+          <a:p>
+            <a:pPr algn="r"/>
+            <a:r>
+              <a:rPr lang="en-US" dirty="0">
+                <a:latin typeface="Baskerville Old Face" panose="02020602080505020303" pitchFamily="18" charset="0"/>
+              </a:rPr>
+              <a:t>Plot (challenges, time frame, etc.)</a:t>
+            </a:r>
+          </a:p>
+        </p:txBody>
+      </p:sp>
+      <p:sp>
+        <p:nvSpPr>
+          <p:cNvPr id="24" name="Content Placeholder 2">
+            <a:extLst>
+              <a:ext uri="{FF2B5EF4-FFF2-40B4-BE49-F238E27FC236}">
+                <a16:creationId xmlns:a16="http://schemas.microsoft.com/office/drawing/2014/main" id="{1B4EC15B-7E89-7344-BE22-9EF1ED0E545D}"/>
+              </a:ext>
+            </a:extLst>
+          </p:cNvPr>
+          <p:cNvSpPr>
+            <a:spLocks noGrp="1"/>
+          </p:cNvSpPr>
+          <p:nvPr>
+            <p:ph idx="1"/>
+          </p:nvPr>
+        </p:nvSpPr>
+        <p:spPr>
+          <a:xfrm>
+            <a:off x="4976031" y="963877"/>
+            <a:ext cx="6377769" cy="4930246"/>
+          </a:xfrm>
+        </p:spPr>
+        <p:txBody>
+          <a:bodyPr anchor="ctr">
+            <a:normAutofit/>
+          </a:bodyPr>
+          <a:lstStyle/>
+          <a:p>
+            <a:r>
+              <a:rPr lang="en-US" sz="2400" dirty="0">
+                <a:latin typeface="Baskerville Old Face" panose="02020602080505020303" pitchFamily="18" charset="0"/>
+              </a:rPr>
+              <a:t>Filling a PDF form(Thank you, Jack)</a:t>
+            </a:r>
+          </a:p>
+          <a:p>
+            <a:r>
+              <a:rPr lang="en-US" sz="2400" dirty="0">
+                <a:latin typeface="Baskerville Old Face" panose="02020602080505020303" pitchFamily="18" charset="0"/>
+              </a:rPr>
+              <a:t>Ensuring a large codebase interacted cleanly</a:t>
+            </a:r>
+          </a:p>
+          <a:p>
+            <a:r>
+              <a:rPr lang="en-US" sz="2400" dirty="0">
+                <a:latin typeface="Baskerville Old Face" panose="02020602080505020303" pitchFamily="18" charset="0"/>
+              </a:rPr>
+              <a:t>Reached a good place for minimum product, expanded well to the end.</a:t>
+            </a:r>
+          </a:p>
+        </p:txBody>
+      </p:sp>
+    </p:spTree>
+    <p:extLst>
+      <p:ext uri="{BB962C8B-B14F-4D97-AF65-F5344CB8AC3E}">
+        <p14:creationId xmlns:p14="http://schemas.microsoft.com/office/powerpoint/2010/main" val="3028005902"/>
+      </p:ext>
+    </p:extLst>
+  </p:cSld>
+  <p:clrMapOvr>
+    <a:masterClrMapping/>
+  </p:clrMapOvr>
+</p:sld>
+</file>
+
+<file path=ppt/slides/slide6.xml><?xml version="1.0" encoding="utf-8"?>
+<p:sld xmlns:a="http://schemas.openxmlformats.org/drawingml/2006/main" xmlns:r="http://schemas.openxmlformats.org/officeDocument/2006/relationships" xmlns:p="http://schemas.openxmlformats.org/presentationml/2006/main" showMasterSp="0">
+  <p:cSld>
+    <p:bg>
+      <p:bgPr>
+        <a:blipFill dpi="0" rotWithShape="1">
+          <a:blip r:embed="rId2">
+            <a:lum/>
+          </a:blip>
+          <a:srcRect/>
+          <a:stretch>
+            <a:fillRect t="-8000" b="-8000"/>
+          </a:stretch>
+        </a:blipFill>
+        <a:effectLst/>
+      </p:bgPr>
+    </p:bg>
+    <p:spTree>
+      <p:nvGrpSpPr>
+        <p:cNvPr id="1" name=""/>
+        <p:cNvGrpSpPr/>
+        <p:nvPr/>
+      </p:nvGrpSpPr>
+      <p:grpSpPr>
+        <a:xfrm>
+          <a:off x="0" y="0"/>
+          <a:ext cx="0" cy="0"/>
+          <a:chOff x="0" y="0"/>
+          <a:chExt cx="0" cy="0"/>
+        </a:xfrm>
+      </p:grpSpPr>
+      <p:sp>
+        <p:nvSpPr>
+          <p:cNvPr id="2" name="Title 1">
+            <a:extLst>
+              <a:ext uri="{FF2B5EF4-FFF2-40B4-BE49-F238E27FC236}">
+                <a16:creationId xmlns:a16="http://schemas.microsoft.com/office/drawing/2014/main" id="{B8F20C77-7285-6F47-9C48-36646902D605}"/>
+              </a:ext>
+            </a:extLst>
+          </p:cNvPr>
+          <p:cNvSpPr>
+            <a:spLocks noGrp="1"/>
+          </p:cNvSpPr>
+          <p:nvPr>
+            <p:ph type="title"/>
+          </p:nvPr>
+        </p:nvSpPr>
+        <p:spPr/>
+        <p:txBody>
+          <a:bodyPr/>
+          <a:lstStyle/>
+          <a:p>
+            <a:r>
+              <a:rPr lang="en-US" dirty="0">
+                <a:latin typeface="Baskerville Old Face" panose="02020602080505020303" pitchFamily="18" charset="77"/>
+              </a:rPr>
+              <a:t>Demo</a:t>
+            </a:r>
+          </a:p>
+        </p:txBody>
+      </p:sp>
+      <p:sp>
+        <p:nvSpPr>
+          <p:cNvPr id="3" name="Content Placeholder 2">
+            <a:extLst>
+              <a:ext uri="{FF2B5EF4-FFF2-40B4-BE49-F238E27FC236}">
+                <a16:creationId xmlns:a16="http://schemas.microsoft.com/office/drawing/2014/main" id="{93F99491-4987-484A-9FD2-487CC33B3C81}"/>
+              </a:ext>
+            </a:extLst>
+          </p:cNvPr>
+          <p:cNvSpPr>
+            <a:spLocks noGrp="1"/>
+          </p:cNvSpPr>
+          <p:nvPr>
+            <p:ph idx="1"/>
+          </p:nvPr>
+        </p:nvSpPr>
+        <p:spPr>
+          <a:xfrm>
+            <a:off x="685801" y="2142067"/>
+            <a:ext cx="10131425" cy="672571"/>
+          </a:xfrm>
+        </p:spPr>
+        <p:txBody>
+          <a:bodyPr/>
+          <a:lstStyle/>
+          <a:p>
+            <a:pPr marL="0" indent="0">
+              <a:buNone/>
+            </a:pPr>
+            <a:r>
+              <a:rPr lang="en-US" dirty="0">
+                <a:solidFill>
+                  <a:schemeClr val="tx1">
+                    <a:lumMod val="75000"/>
+                  </a:schemeClr>
+                </a:solidFill>
+                <a:latin typeface="Baskerville Old Face" panose="02020602080505020303" pitchFamily="18" charset="77"/>
+                <a:hlinkClick r:id="rId3">
+                  <a:extLst>
+                    <a:ext uri="{A12FA001-AC4F-418D-AE19-62706E023703}">
+                      <ahyp:hlinkClr xmlns:ahyp="http://schemas.microsoft.com/office/drawing/2018/hyperlinkcolor" val="tx"/>
+                    </a:ext>
+                  </a:extLst>
+                </a:hlinkClick>
+              </a:rPr>
+              <a:t>https://www.youtube.com/watch?v=4uOccVnYD7Y</a:t>
+            </a:r>
+            <a:endParaRPr lang="en-US" dirty="0">
+              <a:solidFill>
+                <a:schemeClr val="tx1">
+                  <a:lumMod val="75000"/>
+                </a:schemeClr>
+              </a:solidFill>
+              <a:latin typeface="Baskerville Old Face" panose="02020602080505020303" pitchFamily="18" charset="77"/>
+            </a:endParaRPr>
+          </a:p>
+          <a:p>
+            <a:pPr marL="0" indent="0">
+              <a:buNone/>
+            </a:pPr>
+            <a:endParaRPr lang="en-US" dirty="0">
+              <a:latin typeface="Baskerville Old Face" panose="02020602080505020303" pitchFamily="18" charset="77"/>
+            </a:endParaRPr>
+          </a:p>
+        </p:txBody>
+      </p:sp>
+    </p:spTree>
+    <p:extLst>
+      <p:ext uri="{BB962C8B-B14F-4D97-AF65-F5344CB8AC3E}">
+        <p14:creationId xmlns:p14="http://schemas.microsoft.com/office/powerpoint/2010/main" val="3024378463"/>
+      </p:ext>
+    </p:extLst>
+  </p:cSld>
+  <p:clrMapOvr>
+    <a:masterClrMapping/>
+  </p:clrMapOvr>
+</p:sld>
+</file>
+
+<file path=ppt/slides/slide7.xml><?xml version="1.0" encoding="utf-8"?>
+<p:sld xmlns:a="http://schemas.openxmlformats.org/drawingml/2006/main" xmlns:r="http://schemas.openxmlformats.org/officeDocument/2006/relationships" xmlns:p="http://schemas.openxmlformats.org/presentationml/2006/main" showMasterSp="0">
+  <p:cSld>
+    <p:bg>
+      <p:bgPr>
+        <a:blipFill dpi="0" rotWithShape="1">
+          <a:blip r:embed="rId2">
+            <a:lum/>
+          </a:blip>
+          <a:srcRect/>
+          <a:stretch>
+            <a:fillRect t="-8000" b="-8000"/>
+          </a:stretch>
+        </a:blipFill>
+        <a:effectLst/>
+      </p:bgPr>
+    </p:bg>
+    <p:spTree>
+      <p:nvGrpSpPr>
+        <p:cNvPr id="1" name=""/>
+        <p:cNvGrpSpPr/>
+        <p:nvPr/>
+      </p:nvGrpSpPr>
+      <p:grpSpPr>
+        <a:xfrm>
+          <a:off x="0" y="0"/>
+          <a:ext cx="0" cy="0"/>
+          <a:chOff x="0" y="0"/>
+          <a:chExt cx="0" cy="0"/>
+        </a:xfrm>
+      </p:grpSpPr>
+      <p:sp>
+        <p:nvSpPr>
+          <p:cNvPr id="2" name="Title 1">
+            <a:extLst>
+              <a:ext uri="{FF2B5EF4-FFF2-40B4-BE49-F238E27FC236}">
                 <a16:creationId xmlns:a16="http://schemas.microsoft.com/office/drawing/2014/main" id="{E722A27F-1084-5347-91E8-A2DE994B7E9C}"/>
               </a:ext>
             </a:extLst>
@@ -6449,7 +6730,7 @@
           <a:p>
             <a:r>
               <a:rPr lang="en-US" sz="2400" dirty="0">
-                <a:latin typeface="Baskerville Old Face" panose="02020602080505020303" pitchFamily="18" charset="0"/>
+                <a:latin typeface="Baskerville Old Face" panose="02020602080505020303" pitchFamily="18" charset="77"/>
               </a:rPr>
               <a:t>Attack Roll function</a:t>
             </a:r>
@@ -6457,7 +6738,7 @@
           <a:p>
             <a:r>
               <a:rPr lang="en-US" sz="2400" dirty="0">
-                <a:latin typeface="Baskerville Old Face" panose="02020602080505020303" pitchFamily="18" charset="0"/>
+                <a:latin typeface="Baskerville Old Face" panose="02020602080505020303" pitchFamily="18" charset="77"/>
               </a:rPr>
               <a:t>Extra skills for background</a:t>
             </a:r>
@@ -6465,7 +6746,7 @@
           <a:p>
             <a:r>
               <a:rPr lang="en-US" sz="2400" dirty="0">
-                <a:latin typeface="Baskerville Old Face" panose="02020602080505020303" pitchFamily="18" charset="0"/>
+                <a:latin typeface="Baskerville Old Face" panose="02020602080505020303" pitchFamily="18" charset="77"/>
               </a:rPr>
               <a:t>Make forms more cohesive in size</a:t>
             </a:r>
@@ -6473,7 +6754,7 @@
           <a:p>
             <a:r>
               <a:rPr lang="en-US" sz="2400" dirty="0">
-                <a:latin typeface="Baskerville Old Face" panose="02020602080505020303" pitchFamily="18" charset="0"/>
+                <a:latin typeface="Baskerville Old Face" panose="02020602080505020303" pitchFamily="18" charset="77"/>
               </a:rPr>
               <a:t>Clean up old code/comments</a:t>
             </a:r>
@@ -6494,15 +6775,15 @@
             </a:pPr>
             <a:r>
               <a:rPr lang="en-US" sz="2400" dirty="0">
-                <a:latin typeface="Times New Roman" panose="02020603050405020304" pitchFamily="18" charset="0"/>
-                <a:ea typeface="Calibri" panose="020F0502020204030204" pitchFamily="34" charset="0"/>
+                <a:latin typeface="Baskerville Old Face" panose="02020602080505020303" pitchFamily="18" charset="77"/>
+                <a:ea typeface="Baskerville" panose="02020502070401020303" pitchFamily="18" charset="0"/>
                 <a:cs typeface="Times New Roman" panose="02020603050405020304" pitchFamily="18" charset="0"/>
               </a:rPr>
               <a:t>Implement spellcasting</a:t>
             </a:r>
             <a:endParaRPr lang="en-US" sz="2000" dirty="0">
-              <a:latin typeface="Calibri" panose="020F0502020204030204" pitchFamily="34" charset="0"/>
-              <a:ea typeface="Calibri" panose="020F0502020204030204" pitchFamily="34" charset="0"/>
+              <a:latin typeface="Baskerville Old Face" panose="02020602080505020303" pitchFamily="18" charset="77"/>
+              <a:ea typeface="Baskerville" panose="02020502070401020303" pitchFamily="18" charset="0"/>
               <a:cs typeface="Times New Roman" panose="02020603050405020304" pitchFamily="18" charset="0"/>
             </a:endParaRPr>
           </a:p>
@@ -6522,15 +6803,15 @@
             </a:pPr>
             <a:r>
               <a:rPr lang="en-US" sz="2400" dirty="0">
-                <a:latin typeface="Times New Roman" panose="02020603050405020304" pitchFamily="18" charset="0"/>
-                <a:ea typeface="Calibri" panose="020F0502020204030204" pitchFamily="34" charset="0"/>
+                <a:latin typeface="Baskerville Old Face" panose="02020602080505020303" pitchFamily="18" charset="77"/>
+                <a:ea typeface="Baskerville" panose="02020502070401020303" pitchFamily="18" charset="0"/>
                 <a:cs typeface="Times New Roman" panose="02020603050405020304" pitchFamily="18" charset="0"/>
               </a:rPr>
               <a:t>Auto generate character background details</a:t>
             </a:r>
             <a:endParaRPr lang="en-US" sz="2000" dirty="0">
-              <a:latin typeface="Calibri" panose="020F0502020204030204" pitchFamily="34" charset="0"/>
-              <a:ea typeface="Calibri" panose="020F0502020204030204" pitchFamily="34" charset="0"/>
+              <a:latin typeface="Baskerville Old Face" panose="02020602080505020303" pitchFamily="18" charset="77"/>
+              <a:ea typeface="Baskerville" panose="02020502070401020303" pitchFamily="18" charset="0"/>
               <a:cs typeface="Times New Roman" panose="02020603050405020304" pitchFamily="18" charset="0"/>
             </a:endParaRPr>
           </a:p>
@@ -6550,32 +6831,34 @@
             </a:pPr>
             <a:r>
               <a:rPr lang="en-US" sz="2400" dirty="0">
-                <a:latin typeface="Times New Roman" panose="02020603050405020304" pitchFamily="18" charset="0"/>
-                <a:ea typeface="Calibri" panose="020F0502020204030204" pitchFamily="34" charset="0"/>
+                <a:latin typeface="Baskerville Old Face" panose="02020602080505020303" pitchFamily="18" charset="77"/>
+                <a:ea typeface="Baskerville" panose="02020502070401020303" pitchFamily="18" charset="0"/>
                 <a:cs typeface="Times New Roman" panose="02020603050405020304" pitchFamily="18" charset="0"/>
               </a:rPr>
               <a:t>Make race more interactive with attacks</a:t>
             </a:r>
             <a:endParaRPr lang="en-US" sz="2000" dirty="0">
-              <a:latin typeface="Calibri" panose="020F0502020204030204" pitchFamily="34" charset="0"/>
-              <a:ea typeface="Calibri" panose="020F0502020204030204" pitchFamily="34" charset="0"/>
+              <a:latin typeface="Baskerville Old Face" panose="02020602080505020303" pitchFamily="18" charset="77"/>
+              <a:ea typeface="Baskerville" panose="02020502070401020303" pitchFamily="18" charset="0"/>
               <a:cs typeface="Times New Roman" panose="02020603050405020304" pitchFamily="18" charset="0"/>
             </a:endParaRPr>
           </a:p>
           <a:p>
             <a:r>
-              <a:rPr lang="en-US" sz="2000" dirty="0">
-                <a:latin typeface="Calibri" panose="020F0502020204030204" pitchFamily="34" charset="0"/>
+              <a:rPr lang="en-US" sz="2400" dirty="0">
+                <a:latin typeface="Baskerville Old Face" panose="02020602080505020303" pitchFamily="18" charset="77"/>
                 <a:cs typeface="Times New Roman" panose="02020603050405020304" pitchFamily="18" charset="0"/>
               </a:rPr>
               <a:t>Database it</a:t>
             </a:r>
             <a:endParaRPr lang="en-US" sz="2400" dirty="0">
-              <a:latin typeface="Baskerville Old Face" panose="02020602080505020303" pitchFamily="18" charset="0"/>
+              <a:latin typeface="Baskerville Old Face" panose="02020602080505020303" pitchFamily="18" charset="77"/>
             </a:endParaRPr>
           </a:p>
           <a:p>
-            <a:endParaRPr lang="en-US" sz="2400" dirty="0"/>
+            <a:endParaRPr lang="en-US" sz="2400" dirty="0">
+              <a:latin typeface="Baskerville Old Face" panose="02020602080505020303" pitchFamily="18" charset="77"/>
+            </a:endParaRPr>
           </a:p>
         </p:txBody>
       </p:sp>
